--- a/ESPRIT-4CINFO1-Mai-Juin-2015/Diapositives/1. Introduction à la Sécurité Informatique.pptx
+++ b/ESPRIT-4CINFO1-Mai-Juin-2015/Diapositives/1. Introduction à la Sécurité Informatique.pptx
@@ -6,6 +6,11 @@
   </p:sldMasterIdLst>
   <p:sldIdLst>
     <p:sldId id="256" r:id="rId2"/>
+    <p:sldId id="257" r:id="rId3"/>
+    <p:sldId id="258" r:id="rId4"/>
+    <p:sldId id="259" r:id="rId5"/>
+    <p:sldId id="260" r:id="rId6"/>
+    <p:sldId id="261" r:id="rId7"/>
   </p:sldIdLst>
   <p:sldSz cx="12192000" cy="6858000"/>
   <p:notesSz cx="6858000" cy="9144000"/>
@@ -3924,6 +3929,526 @@
 </p:sld>
 </file>
 
+<file path=ppt/slides/slide2.xml><?xml version="1.0" encoding="utf-8"?>
+<p:sld xmlns:a="http://schemas.openxmlformats.org/drawingml/2006/main" xmlns:r="http://schemas.openxmlformats.org/officeDocument/2006/relationships" xmlns:p="http://schemas.openxmlformats.org/presentationml/2006/main">
+  <p:cSld>
+    <p:spTree>
+      <p:nvGrpSpPr>
+        <p:cNvPr id="1" name=""/>
+        <p:cNvGrpSpPr/>
+        <p:nvPr/>
+      </p:nvGrpSpPr>
+      <p:grpSpPr>
+        <a:xfrm>
+          <a:off x="0" y="0"/>
+          <a:ext cx="0" cy="0"/>
+          <a:chOff x="0" y="0"/>
+          <a:chExt cx="0" cy="0"/>
+        </a:xfrm>
+      </p:grpSpPr>
+      <p:sp>
+        <p:nvSpPr>
+          <p:cNvPr id="2" name="Title 1"/>
+          <p:cNvSpPr>
+            <a:spLocks noGrp="1"/>
+          </p:cNvSpPr>
+          <p:nvPr>
+            <p:ph type="title"/>
+          </p:nvPr>
+        </p:nvSpPr>
+        <p:spPr/>
+        <p:txBody>
+          <a:bodyPr/>
+          <a:lstStyle/>
+          <a:p>
+            <a:r>
+              <a:rPr lang="en-US" dirty="0" err="1" smtClean="0"/>
+              <a:t>PLan</a:t>
+            </a:r>
+            <a:endParaRPr lang="en-US" dirty="0"/>
+          </a:p>
+        </p:txBody>
+      </p:sp>
+      <p:sp>
+        <p:nvSpPr>
+          <p:cNvPr id="3" name="Content Placeholder 2"/>
+          <p:cNvSpPr>
+            <a:spLocks noGrp="1"/>
+          </p:cNvSpPr>
+          <p:nvPr>
+            <p:ph idx="1"/>
+          </p:nvPr>
+        </p:nvSpPr>
+        <p:spPr/>
+        <p:txBody>
+          <a:bodyPr/>
+          <a:lstStyle/>
+          <a:p>
+            <a:r>
+              <a:rPr lang="fr-FR" dirty="0" smtClean="0"/>
+              <a:t>Triade</a:t>
+            </a:r>
+            <a:r>
+              <a:rPr lang="en-US" dirty="0" smtClean="0"/>
+              <a:t> CIA</a:t>
+            </a:r>
+          </a:p>
+          <a:p>
+            <a:r>
+              <a:rPr lang="en-US" dirty="0" smtClean="0"/>
+              <a:t>Non </a:t>
+            </a:r>
+            <a:r>
+              <a:rPr lang="fr-FR" dirty="0" smtClean="0"/>
+              <a:t>répudiation</a:t>
+            </a:r>
+          </a:p>
+          <a:p>
+            <a:r>
+              <a:rPr lang="fr-FR" dirty="0" smtClean="0"/>
+              <a:t>Principes</a:t>
+            </a:r>
+          </a:p>
+          <a:p>
+            <a:pPr lvl="1"/>
+            <a:r>
+              <a:rPr lang="fr-FR" dirty="0" smtClean="0"/>
+              <a:t>Moindre privilège</a:t>
+            </a:r>
+          </a:p>
+          <a:p>
+            <a:pPr lvl="1"/>
+            <a:r>
+              <a:rPr lang="fr-FR" dirty="0" smtClean="0"/>
+              <a:t>Défense en profondeur</a:t>
+            </a:r>
+          </a:p>
+          <a:p>
+            <a:pPr lvl="1"/>
+            <a:r>
+              <a:rPr lang="fr-FR" dirty="0" err="1" smtClean="0"/>
+              <a:t>Deny</a:t>
+            </a:r>
+            <a:r>
+              <a:rPr lang="fr-FR" dirty="0" smtClean="0"/>
+              <a:t> </a:t>
+            </a:r>
+            <a:r>
+              <a:rPr lang="fr-FR" dirty="0" err="1" smtClean="0"/>
+              <a:t>firt</a:t>
+            </a:r>
+            <a:endParaRPr lang="fr-FR" dirty="0"/>
+          </a:p>
+        </p:txBody>
+      </p:sp>
+    </p:spTree>
+    <p:extLst>
+      <p:ext uri="{BB962C8B-B14F-4D97-AF65-F5344CB8AC3E}">
+        <p14:creationId xmlns:p14="http://schemas.microsoft.com/office/powerpoint/2010/main" val="2565364818"/>
+      </p:ext>
+    </p:extLst>
+  </p:cSld>
+  <p:clrMapOvr>
+    <a:masterClrMapping/>
+  </p:clrMapOvr>
+  <p:timing>
+    <p:tnLst>
+      <p:par>
+        <p:cTn id="1" dur="indefinite" restart="never" nodeType="tmRoot"/>
+      </p:par>
+    </p:tnLst>
+  </p:timing>
+</p:sld>
+</file>
+
+<file path=ppt/slides/slide3.xml><?xml version="1.0" encoding="utf-8"?>
+<p:sld xmlns:a="http://schemas.openxmlformats.org/drawingml/2006/main" xmlns:r="http://schemas.openxmlformats.org/officeDocument/2006/relationships" xmlns:p="http://schemas.openxmlformats.org/presentationml/2006/main">
+  <p:cSld>
+    <p:spTree>
+      <p:nvGrpSpPr>
+        <p:cNvPr id="1" name=""/>
+        <p:cNvGrpSpPr/>
+        <p:nvPr/>
+      </p:nvGrpSpPr>
+      <p:grpSpPr>
+        <a:xfrm>
+          <a:off x="0" y="0"/>
+          <a:ext cx="0" cy="0"/>
+          <a:chOff x="0" y="0"/>
+          <a:chExt cx="0" cy="0"/>
+        </a:xfrm>
+      </p:grpSpPr>
+      <p:sp>
+        <p:nvSpPr>
+          <p:cNvPr id="2" name="Title 1"/>
+          <p:cNvSpPr>
+            <a:spLocks noGrp="1"/>
+          </p:cNvSpPr>
+          <p:nvPr>
+            <p:ph type="title"/>
+          </p:nvPr>
+        </p:nvSpPr>
+        <p:spPr/>
+        <p:txBody>
+          <a:bodyPr/>
+          <a:lstStyle/>
+          <a:p>
+            <a:r>
+              <a:rPr lang="en-US" dirty="0" err="1" smtClean="0"/>
+              <a:t>Triade</a:t>
+            </a:r>
+            <a:r>
+              <a:rPr lang="en-US" dirty="0" smtClean="0"/>
+              <a:t> CIA</a:t>
+            </a:r>
+            <a:endParaRPr lang="en-US" dirty="0"/>
+          </a:p>
+        </p:txBody>
+      </p:sp>
+      <p:sp>
+        <p:nvSpPr>
+          <p:cNvPr id="3" name="Content Placeholder 2"/>
+          <p:cNvSpPr>
+            <a:spLocks noGrp="1"/>
+          </p:cNvSpPr>
+          <p:nvPr>
+            <p:ph idx="1"/>
+          </p:nvPr>
+        </p:nvSpPr>
+        <p:spPr/>
+        <p:txBody>
+          <a:bodyPr/>
+          <a:lstStyle/>
+          <a:p>
+            <a:r>
+              <a:rPr lang="en-US" dirty="0" err="1" smtClean="0"/>
+              <a:t>Confidentialité</a:t>
+            </a:r>
+            <a:r>
+              <a:rPr lang="en-US" dirty="0" smtClean="0"/>
+              <a:t> (Confidentiality)</a:t>
+            </a:r>
+          </a:p>
+          <a:p>
+            <a:r>
+              <a:rPr lang="en-US" dirty="0" err="1" smtClean="0"/>
+              <a:t>Intégrité</a:t>
+            </a:r>
+            <a:r>
+              <a:rPr lang="en-US" dirty="0" smtClean="0"/>
+              <a:t> (Integrity)</a:t>
+            </a:r>
+          </a:p>
+          <a:p>
+            <a:r>
+              <a:rPr lang="en-US" dirty="0" err="1" smtClean="0"/>
+              <a:t>Disponibilité</a:t>
+            </a:r>
+            <a:r>
+              <a:rPr lang="en-US" dirty="0" smtClean="0"/>
+              <a:t> (Availability)</a:t>
+            </a:r>
+            <a:endParaRPr lang="en-US" dirty="0"/>
+          </a:p>
+        </p:txBody>
+      </p:sp>
+    </p:spTree>
+    <p:extLst>
+      <p:ext uri="{BB962C8B-B14F-4D97-AF65-F5344CB8AC3E}">
+        <p14:creationId xmlns:p14="http://schemas.microsoft.com/office/powerpoint/2010/main" val="3829258124"/>
+      </p:ext>
+    </p:extLst>
+  </p:cSld>
+  <p:clrMapOvr>
+    <a:masterClrMapping/>
+  </p:clrMapOvr>
+  <p:timing>
+    <p:tnLst>
+      <p:par>
+        <p:cTn id="1" dur="indefinite" restart="never" nodeType="tmRoot"/>
+      </p:par>
+    </p:tnLst>
+  </p:timing>
+</p:sld>
+</file>
+
+<file path=ppt/slides/slide4.xml><?xml version="1.0" encoding="utf-8"?>
+<p:sld xmlns:a="http://schemas.openxmlformats.org/drawingml/2006/main" xmlns:r="http://schemas.openxmlformats.org/officeDocument/2006/relationships" xmlns:p="http://schemas.openxmlformats.org/presentationml/2006/main">
+  <p:cSld>
+    <p:spTree>
+      <p:nvGrpSpPr>
+        <p:cNvPr id="1" name=""/>
+        <p:cNvGrpSpPr/>
+        <p:nvPr/>
+      </p:nvGrpSpPr>
+      <p:grpSpPr>
+        <a:xfrm>
+          <a:off x="0" y="0"/>
+          <a:ext cx="0" cy="0"/>
+          <a:chOff x="0" y="0"/>
+          <a:chExt cx="0" cy="0"/>
+        </a:xfrm>
+      </p:grpSpPr>
+      <p:sp>
+        <p:nvSpPr>
+          <p:cNvPr id="2" name="Title 1"/>
+          <p:cNvSpPr>
+            <a:spLocks noGrp="1"/>
+          </p:cNvSpPr>
+          <p:nvPr>
+            <p:ph type="title"/>
+          </p:nvPr>
+        </p:nvSpPr>
+        <p:spPr/>
+        <p:txBody>
+          <a:bodyPr/>
+          <a:lstStyle/>
+          <a:p>
+            <a:r>
+              <a:rPr lang="en-US" dirty="0" smtClean="0"/>
+              <a:t>Non </a:t>
+            </a:r>
+            <a:r>
+              <a:rPr lang="en-US" dirty="0" err="1" smtClean="0"/>
+              <a:t>répudiation</a:t>
+            </a:r>
+            <a:endParaRPr lang="en-US" dirty="0"/>
+          </a:p>
+        </p:txBody>
+      </p:sp>
+      <p:sp>
+        <p:nvSpPr>
+          <p:cNvPr id="3" name="Content Placeholder 2"/>
+          <p:cNvSpPr>
+            <a:spLocks noGrp="1"/>
+          </p:cNvSpPr>
+          <p:nvPr>
+            <p:ph idx="1"/>
+          </p:nvPr>
+        </p:nvSpPr>
+        <p:spPr/>
+        <p:txBody>
+          <a:bodyPr/>
+          <a:lstStyle/>
+          <a:p>
+            <a:endParaRPr lang="en-US"/>
+          </a:p>
+        </p:txBody>
+      </p:sp>
+    </p:spTree>
+    <p:extLst>
+      <p:ext uri="{BB962C8B-B14F-4D97-AF65-F5344CB8AC3E}">
+        <p14:creationId xmlns:p14="http://schemas.microsoft.com/office/powerpoint/2010/main" val="4068573812"/>
+      </p:ext>
+    </p:extLst>
+  </p:cSld>
+  <p:clrMapOvr>
+    <a:masterClrMapping/>
+  </p:clrMapOvr>
+  <p:timing>
+    <p:tnLst>
+      <p:par>
+        <p:cTn id="1" dur="indefinite" restart="never" nodeType="tmRoot"/>
+      </p:par>
+    </p:tnLst>
+  </p:timing>
+</p:sld>
+</file>
+
+<file path=ppt/slides/slide5.xml><?xml version="1.0" encoding="utf-8"?>
+<p:sld xmlns:a="http://schemas.openxmlformats.org/drawingml/2006/main" xmlns:r="http://schemas.openxmlformats.org/officeDocument/2006/relationships" xmlns:p="http://schemas.openxmlformats.org/presentationml/2006/main">
+  <p:cSld>
+    <p:spTree>
+      <p:nvGrpSpPr>
+        <p:cNvPr id="1" name=""/>
+        <p:cNvGrpSpPr/>
+        <p:nvPr/>
+      </p:nvGrpSpPr>
+      <p:grpSpPr>
+        <a:xfrm>
+          <a:off x="0" y="0"/>
+          <a:ext cx="0" cy="0"/>
+          <a:chOff x="0" y="0"/>
+          <a:chExt cx="0" cy="0"/>
+        </a:xfrm>
+      </p:grpSpPr>
+      <p:sp>
+        <p:nvSpPr>
+          <p:cNvPr id="2" name="Title 1"/>
+          <p:cNvSpPr>
+            <a:spLocks noGrp="1"/>
+          </p:cNvSpPr>
+          <p:nvPr>
+            <p:ph type="title"/>
+          </p:nvPr>
+        </p:nvSpPr>
+        <p:spPr/>
+        <p:txBody>
+          <a:bodyPr/>
+          <a:lstStyle/>
+          <a:p>
+            <a:r>
+              <a:rPr lang="en-US" dirty="0" err="1" smtClean="0"/>
+              <a:t>principes</a:t>
+            </a:r>
+            <a:endParaRPr lang="en-US" dirty="0"/>
+          </a:p>
+        </p:txBody>
+      </p:sp>
+      <p:sp>
+        <p:nvSpPr>
+          <p:cNvPr id="3" name="Content Placeholder 2"/>
+          <p:cNvSpPr>
+            <a:spLocks noGrp="1"/>
+          </p:cNvSpPr>
+          <p:nvPr>
+            <p:ph idx="1"/>
+          </p:nvPr>
+        </p:nvSpPr>
+        <p:spPr/>
+        <p:txBody>
+          <a:bodyPr/>
+          <a:lstStyle/>
+          <a:p>
+            <a:r>
+              <a:rPr lang="en-US" dirty="0" err="1" smtClean="0"/>
+              <a:t>Moindre</a:t>
+            </a:r>
+            <a:r>
+              <a:rPr lang="en-US" dirty="0" smtClean="0"/>
+              <a:t> privilege (Least Privilege)</a:t>
+            </a:r>
+            <a:endParaRPr lang="en-US" dirty="0"/>
+          </a:p>
+        </p:txBody>
+      </p:sp>
+    </p:spTree>
+    <p:extLst>
+      <p:ext uri="{BB962C8B-B14F-4D97-AF65-F5344CB8AC3E}">
+        <p14:creationId xmlns:p14="http://schemas.microsoft.com/office/powerpoint/2010/main" val="3836285893"/>
+      </p:ext>
+    </p:extLst>
+  </p:cSld>
+  <p:clrMapOvr>
+    <a:masterClrMapping/>
+  </p:clrMapOvr>
+  <p:timing>
+    <p:tnLst>
+      <p:par>
+        <p:cTn id="1" dur="indefinite" restart="never" nodeType="tmRoot"/>
+      </p:par>
+    </p:tnLst>
+  </p:timing>
+</p:sld>
+</file>
+
+<file path=ppt/slides/slide6.xml><?xml version="1.0" encoding="utf-8"?>
+<p:sld xmlns:a="http://schemas.openxmlformats.org/drawingml/2006/main" xmlns:r="http://schemas.openxmlformats.org/officeDocument/2006/relationships" xmlns:p="http://schemas.openxmlformats.org/presentationml/2006/main">
+  <p:cSld>
+    <p:spTree>
+      <p:nvGrpSpPr>
+        <p:cNvPr id="1" name=""/>
+        <p:cNvGrpSpPr/>
+        <p:nvPr/>
+      </p:nvGrpSpPr>
+      <p:grpSpPr>
+        <a:xfrm>
+          <a:off x="0" y="0"/>
+          <a:ext cx="0" cy="0"/>
+          <a:chOff x="0" y="0"/>
+          <a:chExt cx="0" cy="0"/>
+        </a:xfrm>
+      </p:grpSpPr>
+      <p:sp>
+        <p:nvSpPr>
+          <p:cNvPr id="2" name="Title 1"/>
+          <p:cNvSpPr>
+            <a:spLocks noGrp="1"/>
+          </p:cNvSpPr>
+          <p:nvPr>
+            <p:ph type="title"/>
+          </p:nvPr>
+        </p:nvSpPr>
+        <p:spPr/>
+        <p:txBody>
+          <a:bodyPr/>
+          <a:lstStyle/>
+          <a:p>
+            <a:r>
+              <a:rPr lang="en-US" dirty="0" err="1" smtClean="0"/>
+              <a:t>principes</a:t>
+            </a:r>
+            <a:endParaRPr lang="en-US" dirty="0"/>
+          </a:p>
+        </p:txBody>
+      </p:sp>
+      <p:sp>
+        <p:nvSpPr>
+          <p:cNvPr id="3" name="Content Placeholder 2"/>
+          <p:cNvSpPr>
+            <a:spLocks noGrp="1"/>
+          </p:cNvSpPr>
+          <p:nvPr>
+            <p:ph idx="1"/>
+          </p:nvPr>
+        </p:nvSpPr>
+        <p:spPr/>
+        <p:txBody>
+          <a:bodyPr/>
+          <a:lstStyle/>
+          <a:p>
+            <a:r>
+              <a:rPr lang="en-US" dirty="0" err="1" smtClean="0"/>
+              <a:t>Défense</a:t>
+            </a:r>
+            <a:r>
+              <a:rPr lang="en-US" dirty="0" smtClean="0"/>
+              <a:t> </a:t>
+            </a:r>
+            <a:r>
+              <a:rPr lang="en-US" dirty="0" err="1" smtClean="0"/>
+              <a:t>en</a:t>
+            </a:r>
+            <a:r>
+              <a:rPr lang="en-US" dirty="0" smtClean="0"/>
+              <a:t> </a:t>
+            </a:r>
+            <a:r>
+              <a:rPr lang="en-US" dirty="0" err="1" smtClean="0"/>
+              <a:t>profondeur</a:t>
+            </a:r>
+            <a:r>
+              <a:rPr lang="en-US" dirty="0" smtClean="0"/>
+              <a:t> (Defense </a:t>
+            </a:r>
+            <a:r>
+              <a:rPr lang="en-US" smtClean="0"/>
+              <a:t>In Depth)</a:t>
+            </a:r>
+            <a:endParaRPr lang="en-US" dirty="0"/>
+          </a:p>
+        </p:txBody>
+      </p:sp>
+    </p:spTree>
+    <p:extLst>
+      <p:ext uri="{BB962C8B-B14F-4D97-AF65-F5344CB8AC3E}">
+        <p14:creationId xmlns:p14="http://schemas.microsoft.com/office/powerpoint/2010/main" val="2224335156"/>
+      </p:ext>
+    </p:extLst>
+  </p:cSld>
+  <p:clrMapOvr>
+    <a:masterClrMapping/>
+  </p:clrMapOvr>
+  <p:timing>
+    <p:tnLst>
+      <p:par>
+        <p:cTn id="1" dur="indefinite" restart="never" nodeType="tmRoot"/>
+      </p:par>
+    </p:tnLst>
+  </p:timing>
+</p:sld>
+</file>
+
 <file path=ppt/theme/theme1.xml><?xml version="1.0" encoding="utf-8"?>
 <a:theme xmlns:a="http://schemas.openxmlformats.org/drawingml/2006/main" name="Dividend">
   <a:themeElements>
